--- a/Creo MO - Tagging.pptx
+++ b/Creo MO - Tagging.pptx
@@ -121,6 +121,76 @@
     <p1510:client id="{49A92FF8-B162-7530-F52C-8F3D8D5BC3D1}" v="8" dt="2024-07-23T16:00:56.073"/>
   </p1510:revLst>
 </p1510:revInfo>
+</file>
+
+<file path=ppt/changesInfos/changesInfo1.xml><?xml version="1.0" encoding="utf-8"?>
+<pc:chgInfo xmlns:a="http://schemas.openxmlformats.org/drawingml/2006/main" xmlns:r="http://schemas.openxmlformats.org/officeDocument/2006/relationships" xmlns:ac="http://schemas.microsoft.com/office/drawing/2013/main/command" xmlns:pc="http://schemas.microsoft.com/office/powerpoint/2013/main/command">
+  <pc:docChgLst>
+    <pc:chgData name="Justin Jones" userId="S::justin.jones@cnpcusa.com::d548d167-3381-4d70-866b-4efa696e272f" providerId="AD" clId="Web-{49A92FF8-B162-7530-F52C-8F3D8D5BC3D1}"/>
+    <pc:docChg chg="delSld">
+      <pc:chgData name="Justin Jones" userId="S::justin.jones@cnpcusa.com::d548d167-3381-4d70-866b-4efa696e272f" providerId="AD" clId="Web-{49A92FF8-B162-7530-F52C-8F3D8D5BC3D1}" dt="2024-07-23T16:00:56.073" v="7"/>
+      <pc:docMkLst>
+        <pc:docMk/>
+      </pc:docMkLst>
+      <pc:sldChg chg="del">
+        <pc:chgData name="Justin Jones" userId="S::justin.jones@cnpcusa.com::d548d167-3381-4d70-866b-4efa696e272f" providerId="AD" clId="Web-{49A92FF8-B162-7530-F52C-8F3D8D5BC3D1}" dt="2024-07-23T16:00:54.135" v="3"/>
+        <pc:sldMkLst>
+          <pc:docMk/>
+          <pc:sldMk cId="109857222" sldId="256"/>
+        </pc:sldMkLst>
+      </pc:sldChg>
+      <pc:sldChg chg="del">
+        <pc:chgData name="Justin Jones" userId="S::justin.jones@cnpcusa.com::d548d167-3381-4d70-866b-4efa696e272f" providerId="AD" clId="Web-{49A92FF8-B162-7530-F52C-8F3D8D5BC3D1}" dt="2024-07-23T16:00:54.135" v="2"/>
+        <pc:sldMkLst>
+          <pc:docMk/>
+          <pc:sldMk cId="137788909" sldId="258"/>
+        </pc:sldMkLst>
+      </pc:sldChg>
+      <pc:sldChg chg="del">
+        <pc:chgData name="Justin Jones" userId="S::justin.jones@cnpcusa.com::d548d167-3381-4d70-866b-4efa696e272f" providerId="AD" clId="Web-{49A92FF8-B162-7530-F52C-8F3D8D5BC3D1}" dt="2024-07-23T16:00:56.073" v="6"/>
+        <pc:sldMkLst>
+          <pc:docMk/>
+          <pc:sldMk cId="2238481522" sldId="259"/>
+        </pc:sldMkLst>
+      </pc:sldChg>
+      <pc:sldChg chg="del">
+        <pc:chgData name="Justin Jones" userId="S::justin.jones@cnpcusa.com::d548d167-3381-4d70-866b-4efa696e272f" providerId="AD" clId="Web-{49A92FF8-B162-7530-F52C-8F3D8D5BC3D1}" dt="2024-07-23T16:00:56.073" v="7"/>
+        <pc:sldMkLst>
+          <pc:docMk/>
+          <pc:sldMk cId="3616584397" sldId="260"/>
+        </pc:sldMkLst>
+      </pc:sldChg>
+      <pc:sldChg chg="del">
+        <pc:chgData name="Justin Jones" userId="S::justin.jones@cnpcusa.com::d548d167-3381-4d70-866b-4efa696e272f" providerId="AD" clId="Web-{49A92FF8-B162-7530-F52C-8F3D8D5BC3D1}" dt="2024-07-23T16:00:54.135" v="0"/>
+        <pc:sldMkLst>
+          <pc:docMk/>
+          <pc:sldMk cId="3070804236" sldId="261"/>
+        </pc:sldMkLst>
+      </pc:sldChg>
+      <pc:sldChg chg="del">
+        <pc:chgData name="Justin Jones" userId="S::justin.jones@cnpcusa.com::d548d167-3381-4d70-866b-4efa696e272f" providerId="AD" clId="Web-{49A92FF8-B162-7530-F52C-8F3D8D5BC3D1}" dt="2024-07-23T16:00:54.135" v="1"/>
+        <pc:sldMkLst>
+          <pc:docMk/>
+          <pc:sldMk cId="4021382119" sldId="262"/>
+        </pc:sldMkLst>
+      </pc:sldChg>
+      <pc:sldChg chg="del">
+        <pc:chgData name="Justin Jones" userId="S::justin.jones@cnpcusa.com::d548d167-3381-4d70-866b-4efa696e272f" providerId="AD" clId="Web-{49A92FF8-B162-7530-F52C-8F3D8D5BC3D1}" dt="2024-07-23T16:00:56.073" v="5"/>
+        <pc:sldMkLst>
+          <pc:docMk/>
+          <pc:sldMk cId="2903164538" sldId="264"/>
+        </pc:sldMkLst>
+      </pc:sldChg>
+      <pc:sldChg chg="del">
+        <pc:chgData name="Justin Jones" userId="S::justin.jones@cnpcusa.com::d548d167-3381-4d70-866b-4efa696e272f" providerId="AD" clId="Web-{49A92FF8-B162-7530-F52C-8F3D8D5BC3D1}" dt="2024-07-23T16:00:56.073" v="4"/>
+        <pc:sldMkLst>
+          <pc:docMk/>
+          <pc:sldMk cId="866400033" sldId="265"/>
+        </pc:sldMkLst>
+      </pc:sldChg>
+    </pc:docChg>
+  </pc:docChgLst>
+</pc:chgInfo>
 </file>
 
 <file path=ppt/slideLayouts/slideLayout1.xml><?xml version="1.0" encoding="utf-8"?>
